--- a/assets/assets.pptx
+++ b/assets/assets.pptx
@@ -6,8 +6,10 @@
   </p:sldMasterIdLst>
   <p:sldIdLst>
     <p:sldId id="256" r:id="rId2"/>
-    <p:sldId id="257" r:id="rId3"/>
-    <p:sldId id="258" r:id="rId4"/>
+    <p:sldId id="259" r:id="rId3"/>
+    <p:sldId id="260" r:id="rId4"/>
+    <p:sldId id="257" r:id="rId5"/>
+    <p:sldId id="258" r:id="rId6"/>
   </p:sldIdLst>
   <p:sldSz cx="12192000" cy="6858000"/>
   <p:notesSz cx="6858000" cy="9144000"/>
@@ -3394,6 +3396,222 @@
           <a:chExt cx="0" cy="0"/>
         </a:xfrm>
       </p:grpSpPr>
+      <p:pic>
+        <p:nvPicPr>
+          <p:cNvPr id="5" name="Picture 4" descr="Icon&#10;&#10;Description automatically generated">
+            <a:extLst>
+              <a:ext uri="{FF2B5EF4-FFF2-40B4-BE49-F238E27FC236}">
+                <a16:creationId xmlns:a16="http://schemas.microsoft.com/office/drawing/2014/main" id="{378FC2F1-115C-4ABD-8914-9BF75886BDE0}"/>
+              </a:ext>
+            </a:extLst>
+          </p:cNvPr>
+          <p:cNvPicPr>
+            <a:picLocks noChangeAspect="1"/>
+          </p:cNvPicPr>
+          <p:nvPr/>
+        </p:nvPicPr>
+        <p:blipFill>
+          <a:blip r:embed="rId2">
+            <a:extLst>
+              <a:ext uri="{28A0092B-C50C-407E-A947-70E740481C1C}">
+                <a14:useLocalDpi xmlns:a14="http://schemas.microsoft.com/office/drawing/2010/main" val="0"/>
+              </a:ext>
+            </a:extLst>
+          </a:blip>
+          <a:stretch>
+            <a:fillRect/>
+          </a:stretch>
+        </p:blipFill>
+        <p:spPr>
+          <a:xfrm>
+            <a:off x="3657905" y="990905"/>
+            <a:ext cx="4876190" cy="4876190"/>
+          </a:xfrm>
+          <a:prstGeom prst="rect">
+            <a:avLst/>
+          </a:prstGeom>
+        </p:spPr>
+      </p:pic>
+      <p:sp>
+        <p:nvSpPr>
+          <p:cNvPr id="2" name="TextBox 1">
+            <a:extLst>
+              <a:ext uri="{FF2B5EF4-FFF2-40B4-BE49-F238E27FC236}">
+                <a16:creationId xmlns:a16="http://schemas.microsoft.com/office/drawing/2014/main" id="{8DAF970D-1D92-4446-8A99-25632DB906C7}"/>
+              </a:ext>
+            </a:extLst>
+          </p:cNvPr>
+          <p:cNvSpPr txBox="1"/>
+          <p:nvPr/>
+        </p:nvSpPr>
+        <p:spPr>
+          <a:xfrm>
+            <a:off x="6777261" y="990905"/>
+            <a:ext cx="1756834" cy="1107996"/>
+          </a:xfrm>
+          <a:prstGeom prst="rect">
+            <a:avLst/>
+          </a:prstGeom>
+          <a:noFill/>
+        </p:spPr>
+        <p:txBody>
+          <a:bodyPr wrap="square" rtlCol="0" anchor="ctr">
+            <a:spAutoFit/>
+          </a:bodyPr>
+          <a:lstStyle/>
+          <a:p>
+            <a:pPr algn="ctr"/>
+            <a:r>
+              <a:rPr lang="en-US" sz="6600" dirty="0">
+                <a:solidFill>
+                  <a:srgbClr val="FF0000"/>
+                </a:solidFill>
+                <a:latin typeface="Cascadia Code" panose="020B0609020000020004" pitchFamily="49" charset="0"/>
+                <a:cs typeface="Cascadia Code" panose="020B0609020000020004" pitchFamily="49" charset="0"/>
+              </a:rPr>
+              <a:t>API</a:t>
+            </a:r>
+          </a:p>
+        </p:txBody>
+      </p:sp>
+    </p:spTree>
+    <p:extLst>
+      <p:ext uri="{BB962C8B-B14F-4D97-AF65-F5344CB8AC3E}">
+        <p14:creationId xmlns:p14="http://schemas.microsoft.com/office/powerpoint/2010/main" val="1765136970"/>
+      </p:ext>
+    </p:extLst>
+  </p:cSld>
+  <p:clrMapOvr>
+    <a:masterClrMapping/>
+  </p:clrMapOvr>
+</p:sld>
+</file>
+
+<file path=ppt/slides/slide3.xml><?xml version="1.0" encoding="utf-8"?>
+<p:sld xmlns:a="http://schemas.openxmlformats.org/drawingml/2006/main" xmlns:r="http://schemas.openxmlformats.org/officeDocument/2006/relationships" xmlns:p="http://schemas.openxmlformats.org/presentationml/2006/main">
+  <p:cSld>
+    <p:spTree>
+      <p:nvGrpSpPr>
+        <p:cNvPr id="1" name=""/>
+        <p:cNvGrpSpPr/>
+        <p:nvPr/>
+      </p:nvGrpSpPr>
+      <p:grpSpPr>
+        <a:xfrm>
+          <a:off x="0" y="0"/>
+          <a:ext cx="0" cy="0"/>
+          <a:chOff x="0" y="0"/>
+          <a:chExt cx="0" cy="0"/>
+        </a:xfrm>
+      </p:grpSpPr>
+      <p:pic>
+        <p:nvPicPr>
+          <p:cNvPr id="5" name="Picture 4" descr="Icon&#10;&#10;Description automatically generated">
+            <a:extLst>
+              <a:ext uri="{FF2B5EF4-FFF2-40B4-BE49-F238E27FC236}">
+                <a16:creationId xmlns:a16="http://schemas.microsoft.com/office/drawing/2014/main" id="{378FC2F1-115C-4ABD-8914-9BF75886BDE0}"/>
+              </a:ext>
+            </a:extLst>
+          </p:cNvPr>
+          <p:cNvPicPr>
+            <a:picLocks noChangeAspect="1"/>
+          </p:cNvPicPr>
+          <p:nvPr/>
+        </p:nvPicPr>
+        <p:blipFill>
+          <a:blip r:embed="rId2">
+            <a:extLst>
+              <a:ext uri="{28A0092B-C50C-407E-A947-70E740481C1C}">
+                <a14:useLocalDpi xmlns:a14="http://schemas.microsoft.com/office/drawing/2010/main" val="0"/>
+              </a:ext>
+            </a:extLst>
+          </a:blip>
+          <a:stretch>
+            <a:fillRect/>
+          </a:stretch>
+        </p:blipFill>
+        <p:spPr>
+          <a:xfrm>
+            <a:off x="3657905" y="990905"/>
+            <a:ext cx="4876190" cy="4876190"/>
+          </a:xfrm>
+          <a:prstGeom prst="rect">
+            <a:avLst/>
+          </a:prstGeom>
+        </p:spPr>
+      </p:pic>
+      <p:sp>
+        <p:nvSpPr>
+          <p:cNvPr id="2" name="TextBox 1">
+            <a:extLst>
+              <a:ext uri="{FF2B5EF4-FFF2-40B4-BE49-F238E27FC236}">
+                <a16:creationId xmlns:a16="http://schemas.microsoft.com/office/drawing/2014/main" id="{8DAF970D-1D92-4446-8A99-25632DB906C7}"/>
+              </a:ext>
+            </a:extLst>
+          </p:cNvPr>
+          <p:cNvSpPr txBox="1"/>
+          <p:nvPr/>
+        </p:nvSpPr>
+        <p:spPr>
+          <a:xfrm>
+            <a:off x="6777261" y="990905"/>
+            <a:ext cx="1756834" cy="1107996"/>
+          </a:xfrm>
+          <a:prstGeom prst="rect">
+            <a:avLst/>
+          </a:prstGeom>
+          <a:noFill/>
+        </p:spPr>
+        <p:txBody>
+          <a:bodyPr wrap="square" rtlCol="0" anchor="ctr">
+            <a:spAutoFit/>
+          </a:bodyPr>
+          <a:lstStyle/>
+          <a:p>
+            <a:pPr algn="ctr"/>
+            <a:r>
+              <a:rPr lang="en-US" sz="6600" dirty="0">
+                <a:solidFill>
+                  <a:srgbClr val="FF0000"/>
+                </a:solidFill>
+                <a:latin typeface="Cascadia Code" panose="020B0609020000020004" pitchFamily="49" charset="0"/>
+                <a:cs typeface="Cascadia Code" panose="020B0609020000020004" pitchFamily="49" charset="0"/>
+              </a:rPr>
+              <a:t>Web</a:t>
+            </a:r>
+          </a:p>
+        </p:txBody>
+      </p:sp>
+    </p:spTree>
+    <p:extLst>
+      <p:ext uri="{BB962C8B-B14F-4D97-AF65-F5344CB8AC3E}">
+        <p14:creationId xmlns:p14="http://schemas.microsoft.com/office/powerpoint/2010/main" val="1258953034"/>
+      </p:ext>
+    </p:extLst>
+  </p:cSld>
+  <p:clrMapOvr>
+    <a:masterClrMapping/>
+  </p:clrMapOvr>
+</p:sld>
+</file>
+
+<file path=ppt/slides/slide4.xml><?xml version="1.0" encoding="utf-8"?>
+<p:sld xmlns:a="http://schemas.openxmlformats.org/drawingml/2006/main" xmlns:r="http://schemas.openxmlformats.org/officeDocument/2006/relationships" xmlns:p="http://schemas.openxmlformats.org/presentationml/2006/main">
+  <p:cSld>
+    <p:spTree>
+      <p:nvGrpSpPr>
+        <p:cNvPr id="1" name=""/>
+        <p:cNvGrpSpPr/>
+        <p:nvPr/>
+      </p:nvGrpSpPr>
+      <p:grpSpPr>
+        <a:xfrm>
+          <a:off x="0" y="0"/>
+          <a:ext cx="0" cy="0"/>
+          <a:chOff x="0" y="0"/>
+          <a:chExt cx="0" cy="0"/>
+        </a:xfrm>
+      </p:grpSpPr>
       <p:sp>
         <p:nvSpPr>
           <p:cNvPr id="2" name="Oval 1">
@@ -3499,7 +3717,7 @@
 </p:sld>
 </file>
 
-<file path=ppt/slides/slide3.xml><?xml version="1.0" encoding="utf-8"?>
+<file path=ppt/slides/slide5.xml><?xml version="1.0" encoding="utf-8"?>
 <p:sld xmlns:a="http://schemas.openxmlformats.org/drawingml/2006/main" xmlns:r="http://schemas.openxmlformats.org/officeDocument/2006/relationships" xmlns:p="http://schemas.openxmlformats.org/presentationml/2006/main">
   <p:cSld>
     <p:spTree>

--- a/assets/assets.pptx
+++ b/assets/assets.pptx
@@ -8,8 +8,9 @@
     <p:sldId id="256" r:id="rId2"/>
     <p:sldId id="259" r:id="rId3"/>
     <p:sldId id="260" r:id="rId4"/>
-    <p:sldId id="257" r:id="rId5"/>
-    <p:sldId id="258" r:id="rId6"/>
+    <p:sldId id="261" r:id="rId5"/>
+    <p:sldId id="257" r:id="rId6"/>
+    <p:sldId id="258" r:id="rId7"/>
   </p:sldIdLst>
   <p:sldSz cx="12192000" cy="6858000"/>
   <p:notesSz cx="6858000" cy="9144000"/>
@@ -263,7 +264,7 @@
           <a:p>
             <a:fld id="{44B7DC88-7366-44AD-ADA8-B9E90EC52D2A}" type="datetimeFigureOut">
               <a:rPr lang="en-US" smtClean="0"/>
-              <a:t>12/28/2021</a:t>
+              <a:t>12/29/2021</a:t>
             </a:fld>
             <a:endParaRPr lang="en-US"/>
           </a:p>
@@ -461,7 +462,7 @@
           <a:p>
             <a:fld id="{44B7DC88-7366-44AD-ADA8-B9E90EC52D2A}" type="datetimeFigureOut">
               <a:rPr lang="en-US" smtClean="0"/>
-              <a:t>12/28/2021</a:t>
+              <a:t>12/29/2021</a:t>
             </a:fld>
             <a:endParaRPr lang="en-US"/>
           </a:p>
@@ -669,7 +670,7 @@
           <a:p>
             <a:fld id="{44B7DC88-7366-44AD-ADA8-B9E90EC52D2A}" type="datetimeFigureOut">
               <a:rPr lang="en-US" smtClean="0"/>
-              <a:t>12/28/2021</a:t>
+              <a:t>12/29/2021</a:t>
             </a:fld>
             <a:endParaRPr lang="en-US"/>
           </a:p>
@@ -867,7 +868,7 @@
           <a:p>
             <a:fld id="{44B7DC88-7366-44AD-ADA8-B9E90EC52D2A}" type="datetimeFigureOut">
               <a:rPr lang="en-US" smtClean="0"/>
-              <a:t>12/28/2021</a:t>
+              <a:t>12/29/2021</a:t>
             </a:fld>
             <a:endParaRPr lang="en-US"/>
           </a:p>
@@ -1142,7 +1143,7 @@
           <a:p>
             <a:fld id="{44B7DC88-7366-44AD-ADA8-B9E90EC52D2A}" type="datetimeFigureOut">
               <a:rPr lang="en-US" smtClean="0"/>
-              <a:t>12/28/2021</a:t>
+              <a:t>12/29/2021</a:t>
             </a:fld>
             <a:endParaRPr lang="en-US"/>
           </a:p>
@@ -1407,7 +1408,7 @@
           <a:p>
             <a:fld id="{44B7DC88-7366-44AD-ADA8-B9E90EC52D2A}" type="datetimeFigureOut">
               <a:rPr lang="en-US" smtClean="0"/>
-              <a:t>12/28/2021</a:t>
+              <a:t>12/29/2021</a:t>
             </a:fld>
             <a:endParaRPr lang="en-US"/>
           </a:p>
@@ -1819,7 +1820,7 @@
           <a:p>
             <a:fld id="{44B7DC88-7366-44AD-ADA8-B9E90EC52D2A}" type="datetimeFigureOut">
               <a:rPr lang="en-US" smtClean="0"/>
-              <a:t>12/28/2021</a:t>
+              <a:t>12/29/2021</a:t>
             </a:fld>
             <a:endParaRPr lang="en-US"/>
           </a:p>
@@ -1960,7 +1961,7 @@
           <a:p>
             <a:fld id="{44B7DC88-7366-44AD-ADA8-B9E90EC52D2A}" type="datetimeFigureOut">
               <a:rPr lang="en-US" smtClean="0"/>
-              <a:t>12/28/2021</a:t>
+              <a:t>12/29/2021</a:t>
             </a:fld>
             <a:endParaRPr lang="en-US"/>
           </a:p>
@@ -2073,7 +2074,7 @@
           <a:p>
             <a:fld id="{44B7DC88-7366-44AD-ADA8-B9E90EC52D2A}" type="datetimeFigureOut">
               <a:rPr lang="en-US" smtClean="0"/>
-              <a:t>12/28/2021</a:t>
+              <a:t>12/29/2021</a:t>
             </a:fld>
             <a:endParaRPr lang="en-US"/>
           </a:p>
@@ -2384,7 +2385,7 @@
           <a:p>
             <a:fld id="{44B7DC88-7366-44AD-ADA8-B9E90EC52D2A}" type="datetimeFigureOut">
               <a:rPr lang="en-US" smtClean="0"/>
-              <a:t>12/28/2021</a:t>
+              <a:t>12/29/2021</a:t>
             </a:fld>
             <a:endParaRPr lang="en-US"/>
           </a:p>
@@ -2672,7 +2673,7 @@
           <a:p>
             <a:fld id="{44B7DC88-7366-44AD-ADA8-B9E90EC52D2A}" type="datetimeFigureOut">
               <a:rPr lang="en-US" smtClean="0"/>
-              <a:t>12/28/2021</a:t>
+              <a:t>12/29/2021</a:t>
             </a:fld>
             <a:endParaRPr lang="en-US"/>
           </a:p>
@@ -2913,7 +2914,7 @@
           <a:p>
             <a:fld id="{44B7DC88-7366-44AD-ADA8-B9E90EC52D2A}" type="datetimeFigureOut">
               <a:rPr lang="en-US" smtClean="0"/>
-              <a:t>12/28/2021</a:t>
+              <a:t>12/29/2021</a:t>
             </a:fld>
             <a:endParaRPr lang="en-US"/>
           </a:p>
@@ -3612,6 +3613,114 @@
           <a:chExt cx="0" cy="0"/>
         </a:xfrm>
       </p:grpSpPr>
+      <p:pic>
+        <p:nvPicPr>
+          <p:cNvPr id="5" name="Picture 4" descr="Icon&#10;&#10;Description automatically generated">
+            <a:extLst>
+              <a:ext uri="{FF2B5EF4-FFF2-40B4-BE49-F238E27FC236}">
+                <a16:creationId xmlns:a16="http://schemas.microsoft.com/office/drawing/2014/main" id="{378FC2F1-115C-4ABD-8914-9BF75886BDE0}"/>
+              </a:ext>
+            </a:extLst>
+          </p:cNvPr>
+          <p:cNvPicPr>
+            <a:picLocks noChangeAspect="1"/>
+          </p:cNvPicPr>
+          <p:nvPr/>
+        </p:nvPicPr>
+        <p:blipFill>
+          <a:blip r:embed="rId2">
+            <a:extLst>
+              <a:ext uri="{28A0092B-C50C-407E-A947-70E740481C1C}">
+                <a14:useLocalDpi xmlns:a14="http://schemas.microsoft.com/office/drawing/2010/main" val="0"/>
+              </a:ext>
+            </a:extLst>
+          </a:blip>
+          <a:stretch>
+            <a:fillRect/>
+          </a:stretch>
+        </p:blipFill>
+        <p:spPr>
+          <a:xfrm>
+            <a:off x="3657905" y="990905"/>
+            <a:ext cx="4876190" cy="4876190"/>
+          </a:xfrm>
+          <a:prstGeom prst="rect">
+            <a:avLst/>
+          </a:prstGeom>
+        </p:spPr>
+      </p:pic>
+      <p:sp>
+        <p:nvSpPr>
+          <p:cNvPr id="2" name="TextBox 1">
+            <a:extLst>
+              <a:ext uri="{FF2B5EF4-FFF2-40B4-BE49-F238E27FC236}">
+                <a16:creationId xmlns:a16="http://schemas.microsoft.com/office/drawing/2014/main" id="{8DAF970D-1D92-4446-8A99-25632DB906C7}"/>
+              </a:ext>
+            </a:extLst>
+          </p:cNvPr>
+          <p:cNvSpPr txBox="1"/>
+          <p:nvPr/>
+        </p:nvSpPr>
+        <p:spPr>
+          <a:xfrm>
+            <a:off x="5888567" y="990905"/>
+            <a:ext cx="2645528" cy="1107996"/>
+          </a:xfrm>
+          <a:prstGeom prst="rect">
+            <a:avLst/>
+          </a:prstGeom>
+          <a:noFill/>
+        </p:spPr>
+        <p:txBody>
+          <a:bodyPr wrap="square" rtlCol="0" anchor="ctr">
+            <a:spAutoFit/>
+          </a:bodyPr>
+          <a:lstStyle/>
+          <a:p>
+            <a:pPr algn="ctr"/>
+            <a:r>
+              <a:rPr lang="en-US" sz="6600" dirty="0">
+                <a:solidFill>
+                  <a:srgbClr val="FF0000"/>
+                </a:solidFill>
+                <a:latin typeface="Cascadia Code" panose="020B0609020000020004" pitchFamily="49" charset="0"/>
+                <a:cs typeface="Cascadia Code" panose="020B0609020000020004" pitchFamily="49" charset="0"/>
+              </a:rPr>
+              <a:t>Power</a:t>
+            </a:r>
+          </a:p>
+        </p:txBody>
+      </p:sp>
+    </p:spTree>
+    <p:extLst>
+      <p:ext uri="{BB962C8B-B14F-4D97-AF65-F5344CB8AC3E}">
+        <p14:creationId xmlns:p14="http://schemas.microsoft.com/office/powerpoint/2010/main" val="3438813337"/>
+      </p:ext>
+    </p:extLst>
+  </p:cSld>
+  <p:clrMapOvr>
+    <a:masterClrMapping/>
+  </p:clrMapOvr>
+</p:sld>
+</file>
+
+<file path=ppt/slides/slide5.xml><?xml version="1.0" encoding="utf-8"?>
+<p:sld xmlns:a="http://schemas.openxmlformats.org/drawingml/2006/main" xmlns:r="http://schemas.openxmlformats.org/officeDocument/2006/relationships" xmlns:p="http://schemas.openxmlformats.org/presentationml/2006/main">
+  <p:cSld>
+    <p:spTree>
+      <p:nvGrpSpPr>
+        <p:cNvPr id="1" name=""/>
+        <p:cNvGrpSpPr/>
+        <p:nvPr/>
+      </p:nvGrpSpPr>
+      <p:grpSpPr>
+        <a:xfrm>
+          <a:off x="0" y="0"/>
+          <a:ext cx="0" cy="0"/>
+          <a:chOff x="0" y="0"/>
+          <a:chExt cx="0" cy="0"/>
+        </a:xfrm>
+      </p:grpSpPr>
       <p:sp>
         <p:nvSpPr>
           <p:cNvPr id="2" name="Oval 1">
@@ -3717,7 +3826,7 @@
 </p:sld>
 </file>
 
-<file path=ppt/slides/slide5.xml><?xml version="1.0" encoding="utf-8"?>
+<file path=ppt/slides/slide6.xml><?xml version="1.0" encoding="utf-8"?>
 <p:sld xmlns:a="http://schemas.openxmlformats.org/drawingml/2006/main" xmlns:r="http://schemas.openxmlformats.org/officeDocument/2006/relationships" xmlns:p="http://schemas.openxmlformats.org/presentationml/2006/main">
   <p:cSld>
     <p:spTree>

--- a/assets/assets.pptx
+++ b/assets/assets.pptx
@@ -6,11 +6,12 @@
   </p:sldMasterIdLst>
   <p:sldIdLst>
     <p:sldId id="256" r:id="rId2"/>
-    <p:sldId id="259" r:id="rId3"/>
-    <p:sldId id="260" r:id="rId4"/>
-    <p:sldId id="261" r:id="rId5"/>
-    <p:sldId id="257" r:id="rId6"/>
-    <p:sldId id="258" r:id="rId7"/>
+    <p:sldId id="262" r:id="rId3"/>
+    <p:sldId id="259" r:id="rId4"/>
+    <p:sldId id="260" r:id="rId5"/>
+    <p:sldId id="261" r:id="rId6"/>
+    <p:sldId id="257" r:id="rId7"/>
+    <p:sldId id="258" r:id="rId8"/>
   </p:sldIdLst>
   <p:sldSz cx="12192000" cy="6858000"/>
   <p:notesSz cx="6858000" cy="9144000"/>
@@ -264,7 +265,7 @@
           <a:p>
             <a:fld id="{44B7DC88-7366-44AD-ADA8-B9E90EC52D2A}" type="datetimeFigureOut">
               <a:rPr lang="en-US" smtClean="0"/>
-              <a:t>12/29/2021</a:t>
+              <a:t>2/5/2022</a:t>
             </a:fld>
             <a:endParaRPr lang="en-US"/>
           </a:p>
@@ -462,7 +463,7 @@
           <a:p>
             <a:fld id="{44B7DC88-7366-44AD-ADA8-B9E90EC52D2A}" type="datetimeFigureOut">
               <a:rPr lang="en-US" smtClean="0"/>
-              <a:t>12/29/2021</a:t>
+              <a:t>2/5/2022</a:t>
             </a:fld>
             <a:endParaRPr lang="en-US"/>
           </a:p>
@@ -670,7 +671,7 @@
           <a:p>
             <a:fld id="{44B7DC88-7366-44AD-ADA8-B9E90EC52D2A}" type="datetimeFigureOut">
               <a:rPr lang="en-US" smtClean="0"/>
-              <a:t>12/29/2021</a:t>
+              <a:t>2/5/2022</a:t>
             </a:fld>
             <a:endParaRPr lang="en-US"/>
           </a:p>
@@ -868,7 +869,7 @@
           <a:p>
             <a:fld id="{44B7DC88-7366-44AD-ADA8-B9E90EC52D2A}" type="datetimeFigureOut">
               <a:rPr lang="en-US" smtClean="0"/>
-              <a:t>12/29/2021</a:t>
+              <a:t>2/5/2022</a:t>
             </a:fld>
             <a:endParaRPr lang="en-US"/>
           </a:p>
@@ -1143,7 +1144,7 @@
           <a:p>
             <a:fld id="{44B7DC88-7366-44AD-ADA8-B9E90EC52D2A}" type="datetimeFigureOut">
               <a:rPr lang="en-US" smtClean="0"/>
-              <a:t>12/29/2021</a:t>
+              <a:t>2/5/2022</a:t>
             </a:fld>
             <a:endParaRPr lang="en-US"/>
           </a:p>
@@ -1408,7 +1409,7 @@
           <a:p>
             <a:fld id="{44B7DC88-7366-44AD-ADA8-B9E90EC52D2A}" type="datetimeFigureOut">
               <a:rPr lang="en-US" smtClean="0"/>
-              <a:t>12/29/2021</a:t>
+              <a:t>2/5/2022</a:t>
             </a:fld>
             <a:endParaRPr lang="en-US"/>
           </a:p>
@@ -1820,7 +1821,7 @@
           <a:p>
             <a:fld id="{44B7DC88-7366-44AD-ADA8-B9E90EC52D2A}" type="datetimeFigureOut">
               <a:rPr lang="en-US" smtClean="0"/>
-              <a:t>12/29/2021</a:t>
+              <a:t>2/5/2022</a:t>
             </a:fld>
             <a:endParaRPr lang="en-US"/>
           </a:p>
@@ -1961,7 +1962,7 @@
           <a:p>
             <a:fld id="{44B7DC88-7366-44AD-ADA8-B9E90EC52D2A}" type="datetimeFigureOut">
               <a:rPr lang="en-US" smtClean="0"/>
-              <a:t>12/29/2021</a:t>
+              <a:t>2/5/2022</a:t>
             </a:fld>
             <a:endParaRPr lang="en-US"/>
           </a:p>
@@ -2074,7 +2075,7 @@
           <a:p>
             <a:fld id="{44B7DC88-7366-44AD-ADA8-B9E90EC52D2A}" type="datetimeFigureOut">
               <a:rPr lang="en-US" smtClean="0"/>
-              <a:t>12/29/2021</a:t>
+              <a:t>2/5/2022</a:t>
             </a:fld>
             <a:endParaRPr lang="en-US"/>
           </a:p>
@@ -2385,7 +2386,7 @@
           <a:p>
             <a:fld id="{44B7DC88-7366-44AD-ADA8-B9E90EC52D2A}" type="datetimeFigureOut">
               <a:rPr lang="en-US" smtClean="0"/>
-              <a:t>12/29/2021</a:t>
+              <a:t>2/5/2022</a:t>
             </a:fld>
             <a:endParaRPr lang="en-US"/>
           </a:p>
@@ -2673,7 +2674,7 @@
           <a:p>
             <a:fld id="{44B7DC88-7366-44AD-ADA8-B9E90EC52D2A}" type="datetimeFigureOut">
               <a:rPr lang="en-US" smtClean="0"/>
-              <a:t>12/29/2021</a:t>
+              <a:t>2/5/2022</a:t>
             </a:fld>
             <a:endParaRPr lang="en-US"/>
           </a:p>
@@ -2914,7 +2915,7 @@
           <a:p>
             <a:fld id="{44B7DC88-7366-44AD-ADA8-B9E90EC52D2A}" type="datetimeFigureOut">
               <a:rPr lang="en-US" smtClean="0"/>
-              <a:t>12/29/2021</a:t>
+              <a:t>2/5/2022</a:t>
             </a:fld>
             <a:endParaRPr lang="en-US"/>
           </a:p>
@@ -3447,8 +3448,8 @@
         </p:nvSpPr>
         <p:spPr>
           <a:xfrm>
-            <a:off x="6777261" y="990905"/>
-            <a:ext cx="1756834" cy="1107996"/>
+            <a:off x="6379633" y="990905"/>
+            <a:ext cx="2154462" cy="1107996"/>
           </a:xfrm>
           <a:prstGeom prst="rect">
             <a:avLst/>
@@ -3470,7 +3471,7 @@
                 <a:latin typeface="Cascadia Code" panose="020B0609020000020004" pitchFamily="49" charset="0"/>
                 <a:cs typeface="Cascadia Code" panose="020B0609020000020004" pitchFamily="49" charset="0"/>
               </a:rPr>
-              <a:t>API</a:t>
+              <a:t>Docs</a:t>
             </a:r>
           </a:p>
         </p:txBody>
@@ -3478,7 +3479,7 @@
     </p:spTree>
     <p:extLst>
       <p:ext uri="{BB962C8B-B14F-4D97-AF65-F5344CB8AC3E}">
-        <p14:creationId xmlns:p14="http://schemas.microsoft.com/office/powerpoint/2010/main" val="1765136970"/>
+        <p14:creationId xmlns:p14="http://schemas.microsoft.com/office/powerpoint/2010/main" val="3376354444"/>
       </p:ext>
     </p:extLst>
   </p:cSld>
@@ -3578,7 +3579,7 @@
                 <a:latin typeface="Cascadia Code" panose="020B0609020000020004" pitchFamily="49" charset="0"/>
                 <a:cs typeface="Cascadia Code" panose="020B0609020000020004" pitchFamily="49" charset="0"/>
               </a:rPr>
-              <a:t>Web</a:t>
+              <a:t>API</a:t>
             </a:r>
           </a:p>
         </p:txBody>
@@ -3586,7 +3587,7 @@
     </p:spTree>
     <p:extLst>
       <p:ext uri="{BB962C8B-B14F-4D97-AF65-F5344CB8AC3E}">
-        <p14:creationId xmlns:p14="http://schemas.microsoft.com/office/powerpoint/2010/main" val="1258953034"/>
+        <p14:creationId xmlns:p14="http://schemas.microsoft.com/office/powerpoint/2010/main" val="1765136970"/>
       </p:ext>
     </p:extLst>
   </p:cSld>
@@ -3663,6 +3664,114 @@
         </p:nvSpPr>
         <p:spPr>
           <a:xfrm>
+            <a:off x="6777261" y="990905"/>
+            <a:ext cx="1756834" cy="1107996"/>
+          </a:xfrm>
+          <a:prstGeom prst="rect">
+            <a:avLst/>
+          </a:prstGeom>
+          <a:noFill/>
+        </p:spPr>
+        <p:txBody>
+          <a:bodyPr wrap="square" rtlCol="0" anchor="ctr">
+            <a:spAutoFit/>
+          </a:bodyPr>
+          <a:lstStyle/>
+          <a:p>
+            <a:pPr algn="ctr"/>
+            <a:r>
+              <a:rPr lang="en-US" sz="6600" dirty="0">
+                <a:solidFill>
+                  <a:srgbClr val="FF0000"/>
+                </a:solidFill>
+                <a:latin typeface="Cascadia Code" panose="020B0609020000020004" pitchFamily="49" charset="0"/>
+                <a:cs typeface="Cascadia Code" panose="020B0609020000020004" pitchFamily="49" charset="0"/>
+              </a:rPr>
+              <a:t>Web</a:t>
+            </a:r>
+          </a:p>
+        </p:txBody>
+      </p:sp>
+    </p:spTree>
+    <p:extLst>
+      <p:ext uri="{BB962C8B-B14F-4D97-AF65-F5344CB8AC3E}">
+        <p14:creationId xmlns:p14="http://schemas.microsoft.com/office/powerpoint/2010/main" val="1258953034"/>
+      </p:ext>
+    </p:extLst>
+  </p:cSld>
+  <p:clrMapOvr>
+    <a:masterClrMapping/>
+  </p:clrMapOvr>
+</p:sld>
+</file>
+
+<file path=ppt/slides/slide5.xml><?xml version="1.0" encoding="utf-8"?>
+<p:sld xmlns:a="http://schemas.openxmlformats.org/drawingml/2006/main" xmlns:r="http://schemas.openxmlformats.org/officeDocument/2006/relationships" xmlns:p="http://schemas.openxmlformats.org/presentationml/2006/main">
+  <p:cSld>
+    <p:spTree>
+      <p:nvGrpSpPr>
+        <p:cNvPr id="1" name=""/>
+        <p:cNvGrpSpPr/>
+        <p:nvPr/>
+      </p:nvGrpSpPr>
+      <p:grpSpPr>
+        <a:xfrm>
+          <a:off x="0" y="0"/>
+          <a:ext cx="0" cy="0"/>
+          <a:chOff x="0" y="0"/>
+          <a:chExt cx="0" cy="0"/>
+        </a:xfrm>
+      </p:grpSpPr>
+      <p:pic>
+        <p:nvPicPr>
+          <p:cNvPr id="5" name="Picture 4" descr="Icon&#10;&#10;Description automatically generated">
+            <a:extLst>
+              <a:ext uri="{FF2B5EF4-FFF2-40B4-BE49-F238E27FC236}">
+                <a16:creationId xmlns:a16="http://schemas.microsoft.com/office/drawing/2014/main" id="{378FC2F1-115C-4ABD-8914-9BF75886BDE0}"/>
+              </a:ext>
+            </a:extLst>
+          </p:cNvPr>
+          <p:cNvPicPr>
+            <a:picLocks noChangeAspect="1"/>
+          </p:cNvPicPr>
+          <p:nvPr/>
+        </p:nvPicPr>
+        <p:blipFill>
+          <a:blip r:embed="rId2">
+            <a:extLst>
+              <a:ext uri="{28A0092B-C50C-407E-A947-70E740481C1C}">
+                <a14:useLocalDpi xmlns:a14="http://schemas.microsoft.com/office/drawing/2010/main" val="0"/>
+              </a:ext>
+            </a:extLst>
+          </a:blip>
+          <a:stretch>
+            <a:fillRect/>
+          </a:stretch>
+        </p:blipFill>
+        <p:spPr>
+          <a:xfrm>
+            <a:off x="3657905" y="990905"/>
+            <a:ext cx="4876190" cy="4876190"/>
+          </a:xfrm>
+          <a:prstGeom prst="rect">
+            <a:avLst/>
+          </a:prstGeom>
+        </p:spPr>
+      </p:pic>
+      <p:sp>
+        <p:nvSpPr>
+          <p:cNvPr id="2" name="TextBox 1">
+            <a:extLst>
+              <a:ext uri="{FF2B5EF4-FFF2-40B4-BE49-F238E27FC236}">
+                <a16:creationId xmlns:a16="http://schemas.microsoft.com/office/drawing/2014/main" id="{8DAF970D-1D92-4446-8A99-25632DB906C7}"/>
+              </a:ext>
+            </a:extLst>
+          </p:cNvPr>
+          <p:cNvSpPr txBox="1"/>
+          <p:nvPr/>
+        </p:nvSpPr>
+        <p:spPr>
+          <a:xfrm>
             <a:off x="5888567" y="990905"/>
             <a:ext cx="2645528" cy="1107996"/>
           </a:xfrm>
@@ -3704,7 +3813,7 @@
 </p:sld>
 </file>
 
-<file path=ppt/slides/slide5.xml><?xml version="1.0" encoding="utf-8"?>
+<file path=ppt/slides/slide6.xml><?xml version="1.0" encoding="utf-8"?>
 <p:sld xmlns:a="http://schemas.openxmlformats.org/drawingml/2006/main" xmlns:r="http://schemas.openxmlformats.org/officeDocument/2006/relationships" xmlns:p="http://schemas.openxmlformats.org/presentationml/2006/main">
   <p:cSld>
     <p:spTree>
@@ -3826,7 +3935,7 @@
 </p:sld>
 </file>
 
-<file path=ppt/slides/slide6.xml><?xml version="1.0" encoding="utf-8"?>
+<file path=ppt/slides/slide7.xml><?xml version="1.0" encoding="utf-8"?>
 <p:sld xmlns:a="http://schemas.openxmlformats.org/drawingml/2006/main" xmlns:r="http://schemas.openxmlformats.org/officeDocument/2006/relationships" xmlns:p="http://schemas.openxmlformats.org/presentationml/2006/main">
   <p:cSld>
     <p:spTree>
